--- a/1_Dokumentation/Zeichnungen/MechAufbau1D.pptx
+++ b/1_Dokumentation/Zeichnungen/MechAufbau1D.pptx
@@ -105,6 +105,11 @@
       </a:defRPr>
     </a:lvl9pPr>
   </p:defaultTextStyle>
+  <p:extLst>
+    <p:ext uri="{EFAFB233-063F-42B5-8137-9DF3F51BA10A}">
+      <p15:sldGuideLst xmlns:p15="http://schemas.microsoft.com/office/powerpoint/2012/main"/>
+    </p:ext>
+  </p:extLst>
 </p:presentation>
 </file>
 
@@ -239,7 +244,7 @@
           <a:p>
             <a:fld id="{05C5C874-2643-499F-A756-10067A684B4B}" type="datetimeFigureOut">
               <a:rPr lang="de-DE" smtClean="0"/>
-              <a:t>01.08.2016</a:t>
+              <a:t>12.10.2016</a:t>
             </a:fld>
             <a:endParaRPr lang="de-DE"/>
           </a:p>
@@ -409,7 +414,7 @@
           <a:p>
             <a:fld id="{05C5C874-2643-499F-A756-10067A684B4B}" type="datetimeFigureOut">
               <a:rPr lang="de-DE" smtClean="0"/>
-              <a:t>01.08.2016</a:t>
+              <a:t>12.10.2016</a:t>
             </a:fld>
             <a:endParaRPr lang="de-DE"/>
           </a:p>
@@ -589,7 +594,7 @@
           <a:p>
             <a:fld id="{05C5C874-2643-499F-A756-10067A684B4B}" type="datetimeFigureOut">
               <a:rPr lang="de-DE" smtClean="0"/>
-              <a:t>01.08.2016</a:t>
+              <a:t>12.10.2016</a:t>
             </a:fld>
             <a:endParaRPr lang="de-DE"/>
           </a:p>
@@ -759,7 +764,7 @@
           <a:p>
             <a:fld id="{05C5C874-2643-499F-A756-10067A684B4B}" type="datetimeFigureOut">
               <a:rPr lang="de-DE" smtClean="0"/>
-              <a:t>01.08.2016</a:t>
+              <a:t>12.10.2016</a:t>
             </a:fld>
             <a:endParaRPr lang="de-DE"/>
           </a:p>
@@ -1005,7 +1010,7 @@
           <a:p>
             <a:fld id="{05C5C874-2643-499F-A756-10067A684B4B}" type="datetimeFigureOut">
               <a:rPr lang="de-DE" smtClean="0"/>
-              <a:t>01.08.2016</a:t>
+              <a:t>12.10.2016</a:t>
             </a:fld>
             <a:endParaRPr lang="de-DE"/>
           </a:p>
@@ -1237,7 +1242,7 @@
           <a:p>
             <a:fld id="{05C5C874-2643-499F-A756-10067A684B4B}" type="datetimeFigureOut">
               <a:rPr lang="de-DE" smtClean="0"/>
-              <a:t>01.08.2016</a:t>
+              <a:t>12.10.2016</a:t>
             </a:fld>
             <a:endParaRPr lang="de-DE"/>
           </a:p>
@@ -1604,7 +1609,7 @@
           <a:p>
             <a:fld id="{05C5C874-2643-499F-A756-10067A684B4B}" type="datetimeFigureOut">
               <a:rPr lang="de-DE" smtClean="0"/>
-              <a:t>01.08.2016</a:t>
+              <a:t>12.10.2016</a:t>
             </a:fld>
             <a:endParaRPr lang="de-DE"/>
           </a:p>
@@ -1722,7 +1727,7 @@
           <a:p>
             <a:fld id="{05C5C874-2643-499F-A756-10067A684B4B}" type="datetimeFigureOut">
               <a:rPr lang="de-DE" smtClean="0"/>
-              <a:t>01.08.2016</a:t>
+              <a:t>12.10.2016</a:t>
             </a:fld>
             <a:endParaRPr lang="de-DE"/>
           </a:p>
@@ -1817,7 +1822,7 @@
           <a:p>
             <a:fld id="{05C5C874-2643-499F-A756-10067A684B4B}" type="datetimeFigureOut">
               <a:rPr lang="de-DE" smtClean="0"/>
-              <a:t>01.08.2016</a:t>
+              <a:t>12.10.2016</a:t>
             </a:fld>
             <a:endParaRPr lang="de-DE"/>
           </a:p>
@@ -2094,7 +2099,7 @@
           <a:p>
             <a:fld id="{05C5C874-2643-499F-A756-10067A684B4B}" type="datetimeFigureOut">
               <a:rPr lang="de-DE" smtClean="0"/>
-              <a:t>01.08.2016</a:t>
+              <a:t>12.10.2016</a:t>
             </a:fld>
             <a:endParaRPr lang="de-DE"/>
           </a:p>
@@ -2347,7 +2352,7 @@
           <a:p>
             <a:fld id="{05C5C874-2643-499F-A756-10067A684B4B}" type="datetimeFigureOut">
               <a:rPr lang="de-DE" smtClean="0"/>
-              <a:t>01.08.2016</a:t>
+              <a:t>12.10.2016</a:t>
             </a:fld>
             <a:endParaRPr lang="de-DE"/>
           </a:p>
@@ -2560,7 +2565,7 @@
           <a:p>
             <a:fld id="{05C5C874-2643-499F-A756-10067A684B4B}" type="datetimeFigureOut">
               <a:rPr lang="de-DE" smtClean="0"/>
-              <a:t>01.08.2016</a:t>
+              <a:t>12.10.2016</a:t>
             </a:fld>
             <a:endParaRPr lang="de-DE"/>
           </a:p>
@@ -3405,11 +3410,6 @@
               </a:rPr>
               <a:t>y</a:t>
             </a:r>
-            <a:endParaRPr lang="de-DE" dirty="0">
-              <a:solidFill>
-                <a:srgbClr val="002060"/>
-              </a:solidFill>
-            </a:endParaRPr>
           </a:p>
         </p:txBody>
       </p:sp>
@@ -3709,11 +3709,6 @@
               </a:rPr>
               <a:t>ψ</a:t>
             </a:r>
-            <a:endParaRPr lang="de-DE" dirty="0">
-              <a:solidFill>
-                <a:srgbClr val="002060"/>
-              </a:solidFill>
-            </a:endParaRPr>
           </a:p>
         </p:txBody>
       </p:sp>
@@ -4022,11 +4017,6 @@
               </a:rPr>
               <a:t>y</a:t>
             </a:r>
-            <a:endParaRPr lang="de-DE" dirty="0">
-              <a:solidFill>
-                <a:srgbClr val="002060"/>
-              </a:solidFill>
-            </a:endParaRPr>
           </a:p>
         </p:txBody>
       </p:sp>
@@ -4619,11 +4609,6 @@
               </a:rPr>
               <a:t>B</a:t>
             </a:r>
-            <a:endParaRPr lang="de-DE" dirty="0">
-              <a:solidFill>
-                <a:srgbClr val="002060"/>
-              </a:solidFill>
-            </a:endParaRPr>
           </a:p>
         </p:txBody>
       </p:sp>
